--- a/_Experiments/_Surgery/_templates/PinnCustomOptrode-EMG layout.pptx
+++ b/_Experiments/_Surgery/_templates/PinnCustomOptrode-EMG layout.pptx
@@ -109,7 +109,7 @@
   </p:defaultTextStyle>
   <p:extLst>
     <p:ext uri="{EFAFB233-063F-42B5-8137-9DF3F51BA10A}">
-      <p15:sldGuideLst xmlns="" xmlns:p15="http://schemas.microsoft.com/office/powerpoint/2012/main">
+      <p15:sldGuideLst xmlns:p15="http://schemas.microsoft.com/office/powerpoint/2012/main" xmlns="">
         <p15:guide id="1" orient="horz" pos="2160">
           <p15:clr>
             <a:srgbClr val="A4A3A4"/>
@@ -208,7 +208,7 @@
           <a:p>
             <a:fld id="{46F8F2C1-8A14-4773-BC69-077AA6BEF8AA}" type="datetimeFigureOut">
               <a:rPr lang="en-US" smtClean="0"/>
-              <a:t>6/27/2017</a:t>
+              <a:t>7/19/2017</a:t>
             </a:fld>
             <a:endParaRPr lang="en-US"/>
           </a:p>
@@ -741,7 +741,7 @@
           <a:p>
             <a:fld id="{A4E24B33-863B-4BDB-B3BB-1315F1051867}" type="datetimeFigureOut">
               <a:rPr lang="en-US" smtClean="0"/>
-              <a:t>6/27/2017</a:t>
+              <a:t>7/19/2017</a:t>
             </a:fld>
             <a:endParaRPr lang="en-US"/>
           </a:p>
@@ -911,7 +911,7 @@
           <a:p>
             <a:fld id="{A4E24B33-863B-4BDB-B3BB-1315F1051867}" type="datetimeFigureOut">
               <a:rPr lang="en-US" smtClean="0"/>
-              <a:t>6/27/2017</a:t>
+              <a:t>7/19/2017</a:t>
             </a:fld>
             <a:endParaRPr lang="en-US"/>
           </a:p>
@@ -1091,7 +1091,7 @@
           <a:p>
             <a:fld id="{A4E24B33-863B-4BDB-B3BB-1315F1051867}" type="datetimeFigureOut">
               <a:rPr lang="en-US" smtClean="0"/>
-              <a:t>6/27/2017</a:t>
+              <a:t>7/19/2017</a:t>
             </a:fld>
             <a:endParaRPr lang="en-US"/>
           </a:p>
@@ -1261,7 +1261,7 @@
           <a:p>
             <a:fld id="{A4E24B33-863B-4BDB-B3BB-1315F1051867}" type="datetimeFigureOut">
               <a:rPr lang="en-US" smtClean="0"/>
-              <a:t>6/27/2017</a:t>
+              <a:t>7/19/2017</a:t>
             </a:fld>
             <a:endParaRPr lang="en-US"/>
           </a:p>
@@ -1507,7 +1507,7 @@
           <a:p>
             <a:fld id="{A4E24B33-863B-4BDB-B3BB-1315F1051867}" type="datetimeFigureOut">
               <a:rPr lang="en-US" smtClean="0"/>
-              <a:t>6/27/2017</a:t>
+              <a:t>7/19/2017</a:t>
             </a:fld>
             <a:endParaRPr lang="en-US"/>
           </a:p>
@@ -1795,7 +1795,7 @@
           <a:p>
             <a:fld id="{A4E24B33-863B-4BDB-B3BB-1315F1051867}" type="datetimeFigureOut">
               <a:rPr lang="en-US" smtClean="0"/>
-              <a:t>6/27/2017</a:t>
+              <a:t>7/19/2017</a:t>
             </a:fld>
             <a:endParaRPr lang="en-US"/>
           </a:p>
@@ -2217,7 +2217,7 @@
           <a:p>
             <a:fld id="{A4E24B33-863B-4BDB-B3BB-1315F1051867}" type="datetimeFigureOut">
               <a:rPr lang="en-US" smtClean="0"/>
-              <a:t>6/27/2017</a:t>
+              <a:t>7/19/2017</a:t>
             </a:fld>
             <a:endParaRPr lang="en-US"/>
           </a:p>
@@ -2335,7 +2335,7 @@
           <a:p>
             <a:fld id="{A4E24B33-863B-4BDB-B3BB-1315F1051867}" type="datetimeFigureOut">
               <a:rPr lang="en-US" smtClean="0"/>
-              <a:t>6/27/2017</a:t>
+              <a:t>7/19/2017</a:t>
             </a:fld>
             <a:endParaRPr lang="en-US"/>
           </a:p>
@@ -2430,7 +2430,7 @@
           <a:p>
             <a:fld id="{A4E24B33-863B-4BDB-B3BB-1315F1051867}" type="datetimeFigureOut">
               <a:rPr lang="en-US" smtClean="0"/>
-              <a:t>6/27/2017</a:t>
+              <a:t>7/19/2017</a:t>
             </a:fld>
             <a:endParaRPr lang="en-US"/>
           </a:p>
@@ -2707,7 +2707,7 @@
           <a:p>
             <a:fld id="{A4E24B33-863B-4BDB-B3BB-1315F1051867}" type="datetimeFigureOut">
               <a:rPr lang="en-US" smtClean="0"/>
-              <a:t>6/27/2017</a:t>
+              <a:t>7/19/2017</a:t>
             </a:fld>
             <a:endParaRPr lang="en-US"/>
           </a:p>
@@ -2960,7 +2960,7 @@
           <a:p>
             <a:fld id="{A4E24B33-863B-4BDB-B3BB-1315F1051867}" type="datetimeFigureOut">
               <a:rPr lang="en-US" smtClean="0"/>
-              <a:t>6/27/2017</a:t>
+              <a:t>7/19/2017</a:t>
             </a:fld>
             <a:endParaRPr lang="en-US"/>
           </a:p>
@@ -3173,7 +3173,7 @@
           <a:p>
             <a:fld id="{A4E24B33-863B-4BDB-B3BB-1315F1051867}" type="datetimeFigureOut">
               <a:rPr lang="en-US" smtClean="0"/>
-              <a:t>6/27/2017</a:t>
+              <a:t>7/19/2017</a:t>
             </a:fld>
             <a:endParaRPr lang="en-US"/>
           </a:p>
@@ -3627,9 +3627,6 @@
                         </a:rPr>
                         <a:t>R-M1</a:t>
                       </a:r>
-                      <a:endParaRPr lang="en-US" sz="1000" dirty="0" smtClean="0">
-                        <a:latin typeface="Arial Black" panose="020B0A04020102020204" pitchFamily="34" charset="0"/>
-                      </a:endParaRPr>
                     </a:p>
                     <a:p>
                       <a:pPr algn="ctr"/>
@@ -4810,14 +4807,7 @@
                 <a:latin typeface="Arial" panose="020B0604020202020204" pitchFamily="34" charset="0"/>
                 <a:cs typeface="Arial" panose="020B0604020202020204" pitchFamily="34" charset="0"/>
               </a:rPr>
-              <a:t> </a:t>
-            </a:r>
-            <a:r>
-              <a:rPr lang="en-US" dirty="0" smtClean="0">
-                <a:latin typeface="Arial" panose="020B0604020202020204" pitchFamily="34" charset="0"/>
-                <a:cs typeface="Arial" panose="020B0604020202020204" pitchFamily="34" charset="0"/>
-              </a:rPr>
-              <a:t>3-Channel layout</a:t>
+              <a:t> 3-Channel layout</a:t>
             </a:r>
             <a:endParaRPr lang="en-US" dirty="0">
               <a:latin typeface="Arial" panose="020B0604020202020204" pitchFamily="34" charset="0"/>

--- a/_Experiments/_Surgery/_templates/PinnCustomOptrode-EMG layout.pptx
+++ b/_Experiments/_Surgery/_templates/PinnCustomOptrode-EMG layout.pptx
@@ -109,7 +109,7 @@
   </p:defaultTextStyle>
   <p:extLst>
     <p:ext uri="{EFAFB233-063F-42B5-8137-9DF3F51BA10A}">
-      <p15:sldGuideLst xmlns:p15="http://schemas.microsoft.com/office/powerpoint/2012/main" xmlns="">
+      <p15:sldGuideLst xmlns="" xmlns:p15="http://schemas.microsoft.com/office/powerpoint/2012/main">
         <p15:guide id="1" orient="horz" pos="2160">
           <p15:clr>
             <a:srgbClr val="A4A3A4"/>
@@ -208,7 +208,7 @@
           <a:p>
             <a:fld id="{46F8F2C1-8A14-4773-BC69-077AA6BEF8AA}" type="datetimeFigureOut">
               <a:rPr lang="en-US" smtClean="0"/>
-              <a:t>7/19/2017</a:t>
+              <a:t>8/4/2017</a:t>
             </a:fld>
             <a:endParaRPr lang="en-US"/>
           </a:p>
@@ -741,7 +741,7 @@
           <a:p>
             <a:fld id="{A4E24B33-863B-4BDB-B3BB-1315F1051867}" type="datetimeFigureOut">
               <a:rPr lang="en-US" smtClean="0"/>
-              <a:t>7/19/2017</a:t>
+              <a:t>8/4/2017</a:t>
             </a:fld>
             <a:endParaRPr lang="en-US"/>
           </a:p>
@@ -911,7 +911,7 @@
           <a:p>
             <a:fld id="{A4E24B33-863B-4BDB-B3BB-1315F1051867}" type="datetimeFigureOut">
               <a:rPr lang="en-US" smtClean="0"/>
-              <a:t>7/19/2017</a:t>
+              <a:t>8/4/2017</a:t>
             </a:fld>
             <a:endParaRPr lang="en-US"/>
           </a:p>
@@ -1091,7 +1091,7 @@
           <a:p>
             <a:fld id="{A4E24B33-863B-4BDB-B3BB-1315F1051867}" type="datetimeFigureOut">
               <a:rPr lang="en-US" smtClean="0"/>
-              <a:t>7/19/2017</a:t>
+              <a:t>8/4/2017</a:t>
             </a:fld>
             <a:endParaRPr lang="en-US"/>
           </a:p>
@@ -1261,7 +1261,7 @@
           <a:p>
             <a:fld id="{A4E24B33-863B-4BDB-B3BB-1315F1051867}" type="datetimeFigureOut">
               <a:rPr lang="en-US" smtClean="0"/>
-              <a:t>7/19/2017</a:t>
+              <a:t>8/4/2017</a:t>
             </a:fld>
             <a:endParaRPr lang="en-US"/>
           </a:p>
@@ -1507,7 +1507,7 @@
           <a:p>
             <a:fld id="{A4E24B33-863B-4BDB-B3BB-1315F1051867}" type="datetimeFigureOut">
               <a:rPr lang="en-US" smtClean="0"/>
-              <a:t>7/19/2017</a:t>
+              <a:t>8/4/2017</a:t>
             </a:fld>
             <a:endParaRPr lang="en-US"/>
           </a:p>
@@ -1795,7 +1795,7 @@
           <a:p>
             <a:fld id="{A4E24B33-863B-4BDB-B3BB-1315F1051867}" type="datetimeFigureOut">
               <a:rPr lang="en-US" smtClean="0"/>
-              <a:t>7/19/2017</a:t>
+              <a:t>8/4/2017</a:t>
             </a:fld>
             <a:endParaRPr lang="en-US"/>
           </a:p>
@@ -2217,7 +2217,7 @@
           <a:p>
             <a:fld id="{A4E24B33-863B-4BDB-B3BB-1315F1051867}" type="datetimeFigureOut">
               <a:rPr lang="en-US" smtClean="0"/>
-              <a:t>7/19/2017</a:t>
+              <a:t>8/4/2017</a:t>
             </a:fld>
             <a:endParaRPr lang="en-US"/>
           </a:p>
@@ -2335,7 +2335,7 @@
           <a:p>
             <a:fld id="{A4E24B33-863B-4BDB-B3BB-1315F1051867}" type="datetimeFigureOut">
               <a:rPr lang="en-US" smtClean="0"/>
-              <a:t>7/19/2017</a:t>
+              <a:t>8/4/2017</a:t>
             </a:fld>
             <a:endParaRPr lang="en-US"/>
           </a:p>
@@ -2430,7 +2430,7 @@
           <a:p>
             <a:fld id="{A4E24B33-863B-4BDB-B3BB-1315F1051867}" type="datetimeFigureOut">
               <a:rPr lang="en-US" smtClean="0"/>
-              <a:t>7/19/2017</a:t>
+              <a:t>8/4/2017</a:t>
             </a:fld>
             <a:endParaRPr lang="en-US"/>
           </a:p>
@@ -2707,7 +2707,7 @@
           <a:p>
             <a:fld id="{A4E24B33-863B-4BDB-B3BB-1315F1051867}" type="datetimeFigureOut">
               <a:rPr lang="en-US" smtClean="0"/>
-              <a:t>7/19/2017</a:t>
+              <a:t>8/4/2017</a:t>
             </a:fld>
             <a:endParaRPr lang="en-US"/>
           </a:p>
@@ -2960,7 +2960,7 @@
           <a:p>
             <a:fld id="{A4E24B33-863B-4BDB-B3BB-1315F1051867}" type="datetimeFigureOut">
               <a:rPr lang="en-US" smtClean="0"/>
-              <a:t>7/19/2017</a:t>
+              <a:t>8/4/2017</a:t>
             </a:fld>
             <a:endParaRPr lang="en-US"/>
           </a:p>
@@ -3173,7 +3173,7 @@
           <a:p>
             <a:fld id="{A4E24B33-863B-4BDB-B3BB-1315F1051867}" type="datetimeFigureOut">
               <a:rPr lang="en-US" smtClean="0"/>
-              <a:t>7/19/2017</a:t>
+              <a:t>8/4/2017</a:t>
             </a:fld>
             <a:endParaRPr lang="en-US"/>
           </a:p>
@@ -4765,57 +4765,6 @@
           </p:txBody>
         </p:sp>
       </p:grpSp>
-      <p:sp>
-        <p:nvSpPr>
-          <p:cNvPr id="31" name="TextBox 30"/>
-          <p:cNvSpPr txBox="1"/>
-          <p:nvPr/>
-        </p:nvSpPr>
-        <p:spPr>
-          <a:xfrm>
-            <a:off x="837156" y="152400"/>
-            <a:ext cx="7163844" cy="369332"/>
-          </a:xfrm>
-          <a:prstGeom prst="rect">
-            <a:avLst/>
-          </a:prstGeom>
-          <a:noFill/>
-        </p:spPr>
-        <p:txBody>
-          <a:bodyPr wrap="square" rtlCol="0">
-            <a:spAutoFit/>
-          </a:bodyPr>
-          <a:lstStyle/>
-          <a:p>
-            <a:pPr algn="ctr"/>
-            <a:r>
-              <a:rPr lang="en-US" dirty="0" smtClean="0">
-                <a:latin typeface="Arial" panose="020B0604020202020204" pitchFamily="34" charset="0"/>
-                <a:cs typeface="Arial" panose="020B0604020202020204" pitchFamily="34" charset="0"/>
-              </a:rPr>
-              <a:t>Custom Pinnacle </a:t>
-            </a:r>
-            <a:r>
-              <a:rPr lang="en-US" dirty="0" err="1" smtClean="0">
-                <a:latin typeface="Arial" panose="020B0604020202020204" pitchFamily="34" charset="0"/>
-                <a:cs typeface="Arial" panose="020B0604020202020204" pitchFamily="34" charset="0"/>
-              </a:rPr>
-              <a:t>Optrode</a:t>
-            </a:r>
-            <a:r>
-              <a:rPr lang="en-US" dirty="0" smtClean="0">
-                <a:latin typeface="Arial" panose="020B0604020202020204" pitchFamily="34" charset="0"/>
-                <a:cs typeface="Arial" panose="020B0604020202020204" pitchFamily="34" charset="0"/>
-              </a:rPr>
-              <a:t> 3-Channel layout</a:t>
-            </a:r>
-            <a:endParaRPr lang="en-US" dirty="0">
-              <a:latin typeface="Arial" panose="020B0604020202020204" pitchFamily="34" charset="0"/>
-              <a:cs typeface="Arial" panose="020B0604020202020204" pitchFamily="34" charset="0"/>
-            </a:endParaRPr>
-          </a:p>
-        </p:txBody>
-      </p:sp>
       <p:sp>
         <p:nvSpPr>
           <p:cNvPr id="2" name="TextBox 1"/>
